--- a/Systemy liczbowe/Systemy liczbowe.pptx
+++ b/Systemy liczbowe/Systemy liczbowe.pptx
@@ -149,6 +149,35 @@
 </p:presentation>
 </file>
 
+<file path=ppt/changesInfos/changesInfo1.xml><?xml version="1.0" encoding="utf-8"?>
+<pc:chgInfo xmlns:a="http://schemas.openxmlformats.org/drawingml/2006/main" xmlns:r="http://schemas.openxmlformats.org/officeDocument/2006/relationships" xmlns:ac="http://schemas.microsoft.com/office/drawing/2013/main/command" xmlns:pc="http://schemas.microsoft.com/office/powerpoint/2013/main/command">
+  <pc:docChgLst>
+    <pc:chgData name="Damian Kurpiewski" userId="a6c40eeacb61fb23" providerId="LiveId" clId="{581E21A2-39BD-4D44-A5A2-6ED28863CF50}"/>
+    <pc:docChg chg="modSld">
+      <pc:chgData name="Damian Kurpiewski" userId="a6c40eeacb61fb23" providerId="LiveId" clId="{581E21A2-39BD-4D44-A5A2-6ED28863CF50}" dt="2021-05-10T07:45:08.462" v="9" actId="20577"/>
+      <pc:docMkLst>
+        <pc:docMk/>
+      </pc:docMkLst>
+      <pc:sldChg chg="modSp mod">
+        <pc:chgData name="Damian Kurpiewski" userId="a6c40eeacb61fb23" providerId="LiveId" clId="{581E21A2-39BD-4D44-A5A2-6ED28863CF50}" dt="2021-05-10T07:45:08.462" v="9" actId="20577"/>
+        <pc:sldMkLst>
+          <pc:docMk/>
+          <pc:sldMk cId="609727360" sldId="355"/>
+        </pc:sldMkLst>
+        <pc:spChg chg="mod">
+          <ac:chgData name="Damian Kurpiewski" userId="a6c40eeacb61fb23" providerId="LiveId" clId="{581E21A2-39BD-4D44-A5A2-6ED28863CF50}" dt="2021-05-10T07:45:08.462" v="9" actId="20577"/>
+          <ac:spMkLst>
+            <pc:docMk/>
+            <pc:sldMk cId="609727360" sldId="355"/>
+            <ac:spMk id="2" creationId="{00000000-0000-0000-0000-000000000000}"/>
+          </ac:spMkLst>
+        </pc:spChg>
+      </pc:sldChg>
+    </pc:docChg>
+  </pc:docChgLst>
+</pc:chgInfo>
+</file>
+
 <file path=ppt/slideLayouts/slideLayout1.xml><?xml version="1.0" encoding="utf-8"?>
 <p:sldLayout xmlns:a="http://schemas.openxmlformats.org/drawingml/2006/main" xmlns:r="http://schemas.openxmlformats.org/officeDocument/2006/relationships" xmlns:p="http://schemas.openxmlformats.org/presentationml/2006/main" type="title" preserve="1">
   <p:cSld name="Slajd tytułowy">
@@ -296,7 +325,7 @@
           <a:p>
             <a:fld id="{A1198D10-90A5-6743-A987-582D418698D5}" type="datetimeFigureOut">
               <a:rPr lang="pl-PL" smtClean="0"/>
-              <a:t>27.10.2020</a:t>
+              <a:t>10.05.2021</a:t>
             </a:fld>
             <a:endParaRPr lang="pl-PL"/>
           </a:p>
@@ -494,7 +523,7 @@
           <a:p>
             <a:fld id="{A1198D10-90A5-6743-A987-582D418698D5}" type="datetimeFigureOut">
               <a:rPr lang="pl-PL" smtClean="0"/>
-              <a:t>27.10.2020</a:t>
+              <a:t>10.05.2021</a:t>
             </a:fld>
             <a:endParaRPr lang="pl-PL"/>
           </a:p>
@@ -702,7 +731,7 @@
           <a:p>
             <a:fld id="{A1198D10-90A5-6743-A987-582D418698D5}" type="datetimeFigureOut">
               <a:rPr lang="pl-PL" smtClean="0"/>
-              <a:t>27.10.2020</a:t>
+              <a:t>10.05.2021</a:t>
             </a:fld>
             <a:endParaRPr lang="pl-PL"/>
           </a:p>
@@ -1131,7 +1160,7 @@
           <a:p>
             <a:fld id="{A1198D10-90A5-6743-A987-582D418698D5}" type="datetimeFigureOut">
               <a:rPr lang="pl-PL" smtClean="0"/>
-              <a:t>27.10.2020</a:t>
+              <a:t>10.05.2021</a:t>
             </a:fld>
             <a:endParaRPr lang="pl-PL"/>
           </a:p>
@@ -1406,7 +1435,7 @@
           <a:p>
             <a:fld id="{A1198D10-90A5-6743-A987-582D418698D5}" type="datetimeFigureOut">
               <a:rPr lang="pl-PL" smtClean="0"/>
-              <a:t>27.10.2020</a:t>
+              <a:t>10.05.2021</a:t>
             </a:fld>
             <a:endParaRPr lang="pl-PL"/>
           </a:p>
@@ -1671,7 +1700,7 @@
           <a:p>
             <a:fld id="{A1198D10-90A5-6743-A987-582D418698D5}" type="datetimeFigureOut">
               <a:rPr lang="pl-PL" smtClean="0"/>
-              <a:t>27.10.2020</a:t>
+              <a:t>10.05.2021</a:t>
             </a:fld>
             <a:endParaRPr lang="pl-PL"/>
           </a:p>
@@ -2083,7 +2112,7 @@
           <a:p>
             <a:fld id="{A1198D10-90A5-6743-A987-582D418698D5}" type="datetimeFigureOut">
               <a:rPr lang="pl-PL" smtClean="0"/>
-              <a:t>27.10.2020</a:t>
+              <a:t>10.05.2021</a:t>
             </a:fld>
             <a:endParaRPr lang="pl-PL"/>
           </a:p>
@@ -2224,7 +2253,7 @@
           <a:p>
             <a:fld id="{A1198D10-90A5-6743-A987-582D418698D5}" type="datetimeFigureOut">
               <a:rPr lang="pl-PL" smtClean="0"/>
-              <a:t>27.10.2020</a:t>
+              <a:t>10.05.2021</a:t>
             </a:fld>
             <a:endParaRPr lang="pl-PL"/>
           </a:p>
@@ -2337,7 +2366,7 @@
           <a:p>
             <a:fld id="{A1198D10-90A5-6743-A987-582D418698D5}" type="datetimeFigureOut">
               <a:rPr lang="pl-PL" smtClean="0"/>
-              <a:t>27.10.2020</a:t>
+              <a:t>10.05.2021</a:t>
             </a:fld>
             <a:endParaRPr lang="pl-PL"/>
           </a:p>
@@ -2648,7 +2677,7 @@
           <a:p>
             <a:fld id="{A1198D10-90A5-6743-A987-582D418698D5}" type="datetimeFigureOut">
               <a:rPr lang="pl-PL" smtClean="0"/>
-              <a:t>27.10.2020</a:t>
+              <a:t>10.05.2021</a:t>
             </a:fld>
             <a:endParaRPr lang="pl-PL"/>
           </a:p>
@@ -2936,7 +2965,7 @@
           <a:p>
             <a:fld id="{A1198D10-90A5-6743-A987-582D418698D5}" type="datetimeFigureOut">
               <a:rPr lang="pl-PL" smtClean="0"/>
-              <a:t>27.10.2020</a:t>
+              <a:t>10.05.2021</a:t>
             </a:fld>
             <a:endParaRPr lang="pl-PL"/>
           </a:p>
@@ -3177,7 +3206,7 @@
           <a:p>
             <a:fld id="{A1198D10-90A5-6743-A987-582D418698D5}" type="datetimeFigureOut">
               <a:rPr lang="pl-PL" smtClean="0"/>
-              <a:t>27.10.2020</a:t>
+              <a:t>10.05.2021</a:t>
             </a:fld>
             <a:endParaRPr lang="pl-PL"/>
           </a:p>
@@ -4568,7 +4597,7 @@
           <a:p>
             <a:r>
               <a:rPr lang="pl-PL" dirty="0"/>
-              <a:t>Ćwiczenia - rozwiązania</a:t>
+              <a:t>Ćwiczenia - odpowiedzi</a:t>
             </a:r>
           </a:p>
         </p:txBody>
@@ -5248,8 +5277,8 @@
           </a:p>
         </p:txBody>
       </p:sp>
-      <mc:AlternateContent xmlns:mc="http://schemas.openxmlformats.org/markup-compatibility/2006">
-        <mc:Choice xmlns:a14="http://schemas.microsoft.com/office/drawing/2010/main" Requires="a14">
+      <mc:AlternateContent xmlns:mc="http://schemas.openxmlformats.org/markup-compatibility/2006" xmlns:a14="http://schemas.microsoft.com/office/drawing/2010/main">
+        <mc:Choice Requires="a14">
           <p:sp>
             <p:nvSpPr>
               <p:cNvPr id="3" name="Symbol zastępczy zawartości 2">
@@ -5554,7 +5583,7 @@
             </p:txBody>
           </p:sp>
         </mc:Choice>
-        <mc:Fallback>
+        <mc:Fallback xmlns="">
           <p:sp>
             <p:nvSpPr>
               <p:cNvPr id="3" name="Symbol zastępczy zawartości 2">
@@ -5813,8 +5842,8 @@
           </a:p>
         </p:txBody>
       </p:sp>
-      <mc:AlternateContent xmlns:mc="http://schemas.openxmlformats.org/markup-compatibility/2006">
-        <mc:Choice xmlns:a14="http://schemas.microsoft.com/office/drawing/2010/main" Requires="a14">
+      <mc:AlternateContent xmlns:mc="http://schemas.openxmlformats.org/markup-compatibility/2006" xmlns:a14="http://schemas.microsoft.com/office/drawing/2010/main">
+        <mc:Choice Requires="a14">
           <p:sp>
             <p:nvSpPr>
               <p:cNvPr id="3" name="Symbol zastępczy tekstu 2"/>
@@ -5994,23 +6023,7 @@
                             <a:ea typeface="Consolas" charset="0"/>
                             <a:cs typeface="Consolas" charset="0"/>
                           </a:rPr>
-                          <m:t>111</m:t>
-                        </m:r>
-                        <m:r>
-                          <a:rPr lang="pl-PL" sz="2250" b="0" i="1" smtClean="0">
-                            <a:latin typeface="Cambria Math" panose="02040503050406030204" pitchFamily="18" charset="0"/>
-                            <a:ea typeface="Consolas" charset="0"/>
-                            <a:cs typeface="Consolas" charset="0"/>
-                          </a:rPr>
-                          <m:t>0</m:t>
-                        </m:r>
-                        <m:r>
-                          <a:rPr lang="pl-PL" sz="2250" b="0" i="1" smtClean="0">
-                            <a:latin typeface="Cambria Math" panose="02040503050406030204" pitchFamily="18" charset="0"/>
-                            <a:ea typeface="Consolas" charset="0"/>
-                            <a:cs typeface="Consolas" charset="0"/>
-                          </a:rPr>
-                          <m:t>100</m:t>
+                          <m:t>1110100</m:t>
                         </m:r>
                       </m:e>
                       <m:sub>
@@ -6071,23 +6084,7 @@
                             <a:ea typeface="Consolas" charset="0"/>
                             <a:cs typeface="Consolas" charset="0"/>
                           </a:rPr>
-                          <m:t>00</m:t>
-                        </m:r>
-                        <m:r>
-                          <a:rPr lang="pl-PL" sz="2250" b="0" i="1" smtClean="0">
-                            <a:latin typeface="Cambria Math" panose="02040503050406030204" pitchFamily="18" charset="0"/>
-                            <a:ea typeface="Consolas" charset="0"/>
-                            <a:cs typeface="Consolas" charset="0"/>
-                          </a:rPr>
-                          <m:t>1</m:t>
-                        </m:r>
-                        <m:r>
-                          <a:rPr lang="pl-PL" sz="2250" b="0" i="1" smtClean="0">
-                            <a:latin typeface="Cambria Math" panose="02040503050406030204" pitchFamily="18" charset="0"/>
-                            <a:ea typeface="Consolas" charset="0"/>
-                            <a:cs typeface="Consolas" charset="0"/>
-                          </a:rPr>
-                          <m:t>1011</m:t>
+                          <m:t>0011011</m:t>
                         </m:r>
                       </m:e>
                       <m:sub>
@@ -6248,7 +6245,7 @@
             </p:txBody>
           </p:sp>
         </mc:Choice>
-        <mc:Fallback>
+        <mc:Fallback xmlns="">
           <p:sp>
             <p:nvSpPr>
               <p:cNvPr id="3" name="Symbol zastępczy tekstu 2"/>
@@ -9944,8 +9941,8 @@
           </a:p>
         </p:txBody>
       </p:sp>
-      <mc:AlternateContent xmlns:mc="http://schemas.openxmlformats.org/markup-compatibility/2006">
-        <mc:Choice xmlns:a14="http://schemas.microsoft.com/office/drawing/2010/main" Requires="a14">
+      <mc:AlternateContent xmlns:mc="http://schemas.openxmlformats.org/markup-compatibility/2006" xmlns:a14="http://schemas.microsoft.com/office/drawing/2010/main">
+        <mc:Choice Requires="a14">
           <p:sp>
             <p:nvSpPr>
               <p:cNvPr id="3" name="Symbol zastępczy tekstu 2"/>
@@ -10582,7 +10579,7 @@
             </p:txBody>
           </p:sp>
         </mc:Choice>
-        <mc:Fallback>
+        <mc:Fallback xmlns="">
           <p:sp>
             <p:nvSpPr>
               <p:cNvPr id="3" name="Symbol zastępczy tekstu 2"/>
@@ -11013,8 +11010,8 @@
           </a:p>
         </p:txBody>
       </p:sp>
-      <mc:AlternateContent xmlns:mc="http://schemas.openxmlformats.org/markup-compatibility/2006">
-        <mc:Choice xmlns:a14="http://schemas.microsoft.com/office/drawing/2010/main" Requires="a14">
+      <mc:AlternateContent xmlns:mc="http://schemas.openxmlformats.org/markup-compatibility/2006" xmlns:a14="http://schemas.microsoft.com/office/drawing/2010/main">
+        <mc:Choice Requires="a14">
           <p:sp>
             <p:nvSpPr>
               <p:cNvPr id="3" name="Symbol zastępczy zawartości 2">
@@ -11332,7 +11329,7 @@
             </p:txBody>
           </p:sp>
         </mc:Choice>
-        <mc:Fallback>
+        <mc:Fallback xmlns="">
           <p:sp>
             <p:nvSpPr>
               <p:cNvPr id="3" name="Symbol zastępczy zawartości 2">
@@ -11608,8 +11605,8 @@
           </a:p>
         </p:txBody>
       </p:sp>
-      <mc:AlternateContent xmlns:mc="http://schemas.openxmlformats.org/markup-compatibility/2006">
-        <mc:Choice xmlns:a14="http://schemas.microsoft.com/office/drawing/2010/main" Requires="a14">
+      <mc:AlternateContent xmlns:mc="http://schemas.openxmlformats.org/markup-compatibility/2006" xmlns:a14="http://schemas.microsoft.com/office/drawing/2010/main">
+        <mc:Choice Requires="a14">
           <p:sp>
             <p:nvSpPr>
               <p:cNvPr id="3" name="Symbol zastępczy tekstu 2"/>
@@ -11897,13 +11894,7 @@
                           <a:rPr lang="pl-PL" sz="2531" b="0" i="1" smtClean="0">
                             <a:latin typeface="Cambria Math" panose="02040503050406030204" pitchFamily="18" charset="0"/>
                           </a:rPr>
-                          <m:t>−</m:t>
-                        </m:r>
-                        <m:r>
-                          <a:rPr lang="pl-PL" sz="2531" b="0" i="1" smtClean="0">
-                            <a:latin typeface="Cambria Math" panose="02040503050406030204" pitchFamily="18" charset="0"/>
-                          </a:rPr>
-                          <m:t>3</m:t>
+                          <m:t>−3</m:t>
                         </m:r>
                       </m:sup>
                     </m:sSup>
@@ -12010,13 +12001,7 @@
                           <a:rPr lang="pl-PL" sz="2800" b="0" i="1" smtClean="0">
                             <a:latin typeface="Cambria Math" panose="02040503050406030204" pitchFamily="18" charset="0"/>
                           </a:rPr>
-                          <m:t>−</m:t>
-                        </m:r>
-                        <m:r>
-                          <a:rPr lang="pl-PL" sz="2800" b="0" i="1" smtClean="0">
-                            <a:latin typeface="Cambria Math" panose="02040503050406030204" pitchFamily="18" charset="0"/>
-                          </a:rPr>
-                          <m:t>1</m:t>
+                          <m:t>−1</m:t>
                         </m:r>
                       </m:sup>
                     </m:sSup>
@@ -12047,7 +12032,7 @@
             </p:txBody>
           </p:sp>
         </mc:Choice>
-        <mc:Fallback>
+        <mc:Fallback xmlns="">
           <p:sp>
             <p:nvSpPr>
               <p:cNvPr id="3" name="Symbol zastępczy tekstu 2"/>

--- a/Systemy liczbowe/Systemy liczbowe.pptx
+++ b/Systemy liczbowe/Systemy liczbowe.pptx
@@ -296,7 +296,7 @@
           <a:p>
             <a:fld id="{A1198D10-90A5-6743-A987-582D418698D5}" type="datetimeFigureOut">
               <a:rPr lang="pl-PL" smtClean="0"/>
-              <a:t>27.10.2020</a:t>
+              <a:t>03.11.2020</a:t>
             </a:fld>
             <a:endParaRPr lang="pl-PL"/>
           </a:p>
@@ -494,7 +494,7 @@
           <a:p>
             <a:fld id="{A1198D10-90A5-6743-A987-582D418698D5}" type="datetimeFigureOut">
               <a:rPr lang="pl-PL" smtClean="0"/>
-              <a:t>27.10.2020</a:t>
+              <a:t>03.11.2020</a:t>
             </a:fld>
             <a:endParaRPr lang="pl-PL"/>
           </a:p>
@@ -702,7 +702,7 @@
           <a:p>
             <a:fld id="{A1198D10-90A5-6743-A987-582D418698D5}" type="datetimeFigureOut">
               <a:rPr lang="pl-PL" smtClean="0"/>
-              <a:t>27.10.2020</a:t>
+              <a:t>03.11.2020</a:t>
             </a:fld>
             <a:endParaRPr lang="pl-PL"/>
           </a:p>
@@ -1131,7 +1131,7 @@
           <a:p>
             <a:fld id="{A1198D10-90A5-6743-A987-582D418698D5}" type="datetimeFigureOut">
               <a:rPr lang="pl-PL" smtClean="0"/>
-              <a:t>27.10.2020</a:t>
+              <a:t>03.11.2020</a:t>
             </a:fld>
             <a:endParaRPr lang="pl-PL"/>
           </a:p>
@@ -1406,7 +1406,7 @@
           <a:p>
             <a:fld id="{A1198D10-90A5-6743-A987-582D418698D5}" type="datetimeFigureOut">
               <a:rPr lang="pl-PL" smtClean="0"/>
-              <a:t>27.10.2020</a:t>
+              <a:t>03.11.2020</a:t>
             </a:fld>
             <a:endParaRPr lang="pl-PL"/>
           </a:p>
@@ -1671,7 +1671,7 @@
           <a:p>
             <a:fld id="{A1198D10-90A5-6743-A987-582D418698D5}" type="datetimeFigureOut">
               <a:rPr lang="pl-PL" smtClean="0"/>
-              <a:t>27.10.2020</a:t>
+              <a:t>03.11.2020</a:t>
             </a:fld>
             <a:endParaRPr lang="pl-PL"/>
           </a:p>
@@ -2083,7 +2083,7 @@
           <a:p>
             <a:fld id="{A1198D10-90A5-6743-A987-582D418698D5}" type="datetimeFigureOut">
               <a:rPr lang="pl-PL" smtClean="0"/>
-              <a:t>27.10.2020</a:t>
+              <a:t>03.11.2020</a:t>
             </a:fld>
             <a:endParaRPr lang="pl-PL"/>
           </a:p>
@@ -2224,7 +2224,7 @@
           <a:p>
             <a:fld id="{A1198D10-90A5-6743-A987-582D418698D5}" type="datetimeFigureOut">
               <a:rPr lang="pl-PL" smtClean="0"/>
-              <a:t>27.10.2020</a:t>
+              <a:t>03.11.2020</a:t>
             </a:fld>
             <a:endParaRPr lang="pl-PL"/>
           </a:p>
@@ -2337,7 +2337,7 @@
           <a:p>
             <a:fld id="{A1198D10-90A5-6743-A987-582D418698D5}" type="datetimeFigureOut">
               <a:rPr lang="pl-PL" smtClean="0"/>
-              <a:t>27.10.2020</a:t>
+              <a:t>03.11.2020</a:t>
             </a:fld>
             <a:endParaRPr lang="pl-PL"/>
           </a:p>
@@ -2648,7 +2648,7 @@
           <a:p>
             <a:fld id="{A1198D10-90A5-6743-A987-582D418698D5}" type="datetimeFigureOut">
               <a:rPr lang="pl-PL" smtClean="0"/>
-              <a:t>27.10.2020</a:t>
+              <a:t>03.11.2020</a:t>
             </a:fld>
             <a:endParaRPr lang="pl-PL"/>
           </a:p>
@@ -2936,7 +2936,7 @@
           <a:p>
             <a:fld id="{A1198D10-90A5-6743-A987-582D418698D5}" type="datetimeFigureOut">
               <a:rPr lang="pl-PL" smtClean="0"/>
-              <a:t>27.10.2020</a:t>
+              <a:t>03.11.2020</a:t>
             </a:fld>
             <a:endParaRPr lang="pl-PL"/>
           </a:p>
@@ -3177,7 +3177,7 @@
           <a:p>
             <a:fld id="{A1198D10-90A5-6743-A987-582D418698D5}" type="datetimeFigureOut">
               <a:rPr lang="pl-PL" smtClean="0"/>
-              <a:t>27.10.2020</a:t>
+              <a:t>03.11.2020</a:t>
             </a:fld>
             <a:endParaRPr lang="pl-PL"/>
           </a:p>
@@ -5248,8 +5248,8 @@
           </a:p>
         </p:txBody>
       </p:sp>
-      <mc:AlternateContent xmlns:mc="http://schemas.openxmlformats.org/markup-compatibility/2006">
-        <mc:Choice xmlns:a14="http://schemas.microsoft.com/office/drawing/2010/main" Requires="a14">
+      <mc:AlternateContent xmlns:mc="http://schemas.openxmlformats.org/markup-compatibility/2006" xmlns:a14="http://schemas.microsoft.com/office/drawing/2010/main">
+        <mc:Choice Requires="a14">
           <p:sp>
             <p:nvSpPr>
               <p:cNvPr id="3" name="Symbol zastępczy zawartości 2">
@@ -5554,7 +5554,7 @@
             </p:txBody>
           </p:sp>
         </mc:Choice>
-        <mc:Fallback>
+        <mc:Fallback xmlns="">
           <p:sp>
             <p:nvSpPr>
               <p:cNvPr id="3" name="Symbol zastępczy zawartości 2">
@@ -5813,8 +5813,8 @@
           </a:p>
         </p:txBody>
       </p:sp>
-      <mc:AlternateContent xmlns:mc="http://schemas.openxmlformats.org/markup-compatibility/2006">
-        <mc:Choice xmlns:a14="http://schemas.microsoft.com/office/drawing/2010/main" Requires="a14">
+      <mc:AlternateContent xmlns:mc="http://schemas.openxmlformats.org/markup-compatibility/2006" xmlns:a14="http://schemas.microsoft.com/office/drawing/2010/main">
+        <mc:Choice Requires="a14">
           <p:sp>
             <p:nvSpPr>
               <p:cNvPr id="3" name="Symbol zastępczy tekstu 2"/>
@@ -5994,23 +5994,7 @@
                             <a:ea typeface="Consolas" charset="0"/>
                             <a:cs typeface="Consolas" charset="0"/>
                           </a:rPr>
-                          <m:t>111</m:t>
-                        </m:r>
-                        <m:r>
-                          <a:rPr lang="pl-PL" sz="2250" b="0" i="1" smtClean="0">
-                            <a:latin typeface="Cambria Math" panose="02040503050406030204" pitchFamily="18" charset="0"/>
-                            <a:ea typeface="Consolas" charset="0"/>
-                            <a:cs typeface="Consolas" charset="0"/>
-                          </a:rPr>
-                          <m:t>0</m:t>
-                        </m:r>
-                        <m:r>
-                          <a:rPr lang="pl-PL" sz="2250" b="0" i="1" smtClean="0">
-                            <a:latin typeface="Cambria Math" panose="02040503050406030204" pitchFamily="18" charset="0"/>
-                            <a:ea typeface="Consolas" charset="0"/>
-                            <a:cs typeface="Consolas" charset="0"/>
-                          </a:rPr>
-                          <m:t>100</m:t>
+                          <m:t>1110100</m:t>
                         </m:r>
                       </m:e>
                       <m:sub>
@@ -6071,23 +6055,7 @@
                             <a:ea typeface="Consolas" charset="0"/>
                             <a:cs typeface="Consolas" charset="0"/>
                           </a:rPr>
-                          <m:t>00</m:t>
-                        </m:r>
-                        <m:r>
-                          <a:rPr lang="pl-PL" sz="2250" b="0" i="1" smtClean="0">
-                            <a:latin typeface="Cambria Math" panose="02040503050406030204" pitchFamily="18" charset="0"/>
-                            <a:ea typeface="Consolas" charset="0"/>
-                            <a:cs typeface="Consolas" charset="0"/>
-                          </a:rPr>
-                          <m:t>1</m:t>
-                        </m:r>
-                        <m:r>
-                          <a:rPr lang="pl-PL" sz="2250" b="0" i="1" smtClean="0">
-                            <a:latin typeface="Cambria Math" panose="02040503050406030204" pitchFamily="18" charset="0"/>
-                            <a:ea typeface="Consolas" charset="0"/>
-                            <a:cs typeface="Consolas" charset="0"/>
-                          </a:rPr>
-                          <m:t>1011</m:t>
+                          <m:t>0011011</m:t>
                         </m:r>
                       </m:e>
                       <m:sub>
@@ -6248,7 +6216,7 @@
             </p:txBody>
           </p:sp>
         </mc:Choice>
-        <mc:Fallback>
+        <mc:Fallback xmlns="">
           <p:sp>
             <p:nvSpPr>
               <p:cNvPr id="3" name="Symbol zastępczy tekstu 2"/>
@@ -9944,8 +9912,8 @@
           </a:p>
         </p:txBody>
       </p:sp>
-      <mc:AlternateContent xmlns:mc="http://schemas.openxmlformats.org/markup-compatibility/2006">
-        <mc:Choice xmlns:a14="http://schemas.microsoft.com/office/drawing/2010/main" Requires="a14">
+      <mc:AlternateContent xmlns:mc="http://schemas.openxmlformats.org/markup-compatibility/2006" xmlns:a14="http://schemas.microsoft.com/office/drawing/2010/main">
+        <mc:Choice Requires="a14">
           <p:sp>
             <p:nvSpPr>
               <p:cNvPr id="3" name="Symbol zastępczy tekstu 2"/>
@@ -10582,7 +10550,7 @@
             </p:txBody>
           </p:sp>
         </mc:Choice>
-        <mc:Fallback>
+        <mc:Fallback xmlns="">
           <p:sp>
             <p:nvSpPr>
               <p:cNvPr id="3" name="Symbol zastępczy tekstu 2"/>
@@ -10905,7 +10873,19 @@
             </a:pPr>
             <a:r>
               <a:rPr lang="pl-PL" dirty="0"/>
-              <a:t>Pierwsza część liczby to cecha, druga to mantysa</a:t>
+              <a:t>Pierwsza część liczby to </a:t>
+            </a:r>
+            <a:r>
+              <a:rPr lang="pl-PL" b="1" dirty="0"/>
+              <a:t>cecha</a:t>
+            </a:r>
+            <a:r>
+              <a:rPr lang="pl-PL" dirty="0"/>
+              <a:t>, druga to </a:t>
+            </a:r>
+            <a:r>
+              <a:rPr lang="pl-PL" b="1" dirty="0"/>
+              <a:t>mantysa</a:t>
             </a:r>
           </a:p>
           <a:p>
@@ -10916,7 +10896,15 @@
             </a:pPr>
             <a:r>
               <a:rPr lang="pl-PL" dirty="0"/>
-              <a:t>Przyjmijmy następujący format FP:</a:t>
+              <a:t>Przyjmijmy następujący format </a:t>
+            </a:r>
+            <a:r>
+              <a:rPr lang="pl-PL" b="1" i="1" dirty="0"/>
+              <a:t>FP</a:t>
+            </a:r>
+            <a:r>
+              <a:rPr lang="pl-PL" dirty="0"/>
+              <a:t>:</a:t>
             </a:r>
           </a:p>
           <a:p>
@@ -10926,8 +10914,22 @@
               </a:lnSpc>
             </a:pPr>
             <a:r>
+              <a:rPr lang="pl-PL" sz="2800" b="1" dirty="0"/>
+              <a:t>Cecha</a:t>
+            </a:r>
+            <a:r>
               <a:rPr lang="pl-PL" sz="2800" dirty="0"/>
-              <a:t>Cecha jest 4-bitową liczbą całkowitą zapisaną w kodzie U2</a:t>
+              <a:t> jest </a:t>
+            </a:r>
+            <a:r>
+              <a:rPr lang="pl-PL" sz="2800" b="1" dirty="0">
+                <a:solidFill>
+                  <a:schemeClr val="accent1">
+                    <a:lumMod val="75000"/>
+                  </a:schemeClr>
+                </a:solidFill>
+              </a:rPr>
+              <a:t>4-bitową liczbą całkowitą zapisaną w kodzie U2</a:t>
             </a:r>
           </a:p>
           <a:p>
@@ -10938,7 +10940,48 @@
             </a:pPr>
             <a:r>
               <a:rPr lang="pl-PL" sz="2800" dirty="0"/>
-              <a:t> Mantysa jest 4-bitową liczbą stałoprzecinkową zapisaną w kodzie U2, z przecinkiem pomiędzy drugim a trzecim bitem </a:t>
+              <a:t> </a:t>
+            </a:r>
+            <a:r>
+              <a:rPr lang="pl-PL" sz="2800" b="1" dirty="0"/>
+              <a:t>Mantysa</a:t>
+            </a:r>
+            <a:r>
+              <a:rPr lang="pl-PL" sz="2800" dirty="0"/>
+              <a:t> jest </a:t>
+            </a:r>
+            <a:r>
+              <a:rPr lang="pl-PL" sz="2800" b="1" dirty="0">
+                <a:solidFill>
+                  <a:schemeClr val="accent2">
+                    <a:lumMod val="75000"/>
+                  </a:schemeClr>
+                </a:solidFill>
+              </a:rPr>
+              <a:t>4-bitową liczbą stałoprzecinkową zapisaną </a:t>
+            </a:r>
+            <a:br>
+              <a:rPr lang="pl-PL" sz="2800" b="1" dirty="0">
+                <a:solidFill>
+                  <a:schemeClr val="accent2">
+                    <a:lumMod val="75000"/>
+                  </a:schemeClr>
+                </a:solidFill>
+              </a:rPr>
+            </a:br>
+            <a:r>
+              <a:rPr lang="pl-PL" sz="2800" b="1" dirty="0">
+                <a:solidFill>
+                  <a:schemeClr val="accent2">
+                    <a:lumMod val="75000"/>
+                  </a:schemeClr>
+                </a:solidFill>
+              </a:rPr>
+              <a:t>w kodzie U2</a:t>
+            </a:r>
+            <a:r>
+              <a:rPr lang="pl-PL" sz="2800" dirty="0"/>
+              <a:t>, z przecinkiem pomiędzy drugim a trzecim bitem </a:t>
             </a:r>
           </a:p>
           <a:p>
@@ -11013,8 +11056,8 @@
           </a:p>
         </p:txBody>
       </p:sp>
-      <mc:AlternateContent xmlns:mc="http://schemas.openxmlformats.org/markup-compatibility/2006">
-        <mc:Choice xmlns:a14="http://schemas.microsoft.com/office/drawing/2010/main" Requires="a14">
+      <mc:AlternateContent xmlns:mc="http://schemas.openxmlformats.org/markup-compatibility/2006" xmlns:a14="http://schemas.microsoft.com/office/drawing/2010/main">
+        <mc:Choice Requires="a14">
           <p:sp>
             <p:nvSpPr>
               <p:cNvPr id="3" name="Symbol zastępczy zawartości 2">
@@ -11332,7 +11375,7 @@
             </p:txBody>
           </p:sp>
         </mc:Choice>
-        <mc:Fallback>
+        <mc:Fallback xmlns="">
           <p:sp>
             <p:nvSpPr>
               <p:cNvPr id="3" name="Symbol zastępczy zawartości 2">
@@ -11608,8 +11651,8 @@
           </a:p>
         </p:txBody>
       </p:sp>
-      <mc:AlternateContent xmlns:mc="http://schemas.openxmlformats.org/markup-compatibility/2006">
-        <mc:Choice xmlns:a14="http://schemas.microsoft.com/office/drawing/2010/main" Requires="a14">
+      <mc:AlternateContent xmlns:mc="http://schemas.openxmlformats.org/markup-compatibility/2006" xmlns:a14="http://schemas.microsoft.com/office/drawing/2010/main">
+        <mc:Choice Requires="a14">
           <p:sp>
             <p:nvSpPr>
               <p:cNvPr id="3" name="Symbol zastępczy tekstu 2"/>
@@ -11897,13 +11940,7 @@
                           <a:rPr lang="pl-PL" sz="2531" b="0" i="1" smtClean="0">
                             <a:latin typeface="Cambria Math" panose="02040503050406030204" pitchFamily="18" charset="0"/>
                           </a:rPr>
-                          <m:t>−</m:t>
-                        </m:r>
-                        <m:r>
-                          <a:rPr lang="pl-PL" sz="2531" b="0" i="1" smtClean="0">
-                            <a:latin typeface="Cambria Math" panose="02040503050406030204" pitchFamily="18" charset="0"/>
-                          </a:rPr>
-                          <m:t>3</m:t>
+                          <m:t>−3</m:t>
                         </m:r>
                       </m:sup>
                     </m:sSup>
@@ -12010,13 +12047,7 @@
                           <a:rPr lang="pl-PL" sz="2800" b="0" i="1" smtClean="0">
                             <a:latin typeface="Cambria Math" panose="02040503050406030204" pitchFamily="18" charset="0"/>
                           </a:rPr>
-                          <m:t>−</m:t>
-                        </m:r>
-                        <m:r>
-                          <a:rPr lang="pl-PL" sz="2800" b="0" i="1" smtClean="0">
-                            <a:latin typeface="Cambria Math" panose="02040503050406030204" pitchFamily="18" charset="0"/>
-                          </a:rPr>
-                          <m:t>1</m:t>
+                          <m:t>−1</m:t>
                         </m:r>
                       </m:sup>
                     </m:sSup>
@@ -12047,7 +12078,7 @@
             </p:txBody>
           </p:sp>
         </mc:Choice>
-        <mc:Fallback>
+        <mc:Fallback xmlns="">
           <p:sp>
             <p:nvSpPr>
               <p:cNvPr id="3" name="Symbol zastępczy tekstu 2"/>
